--- a/.claude/skills/pptx-from-template/templates/default.pptx
+++ b/.claude/skills/pptx-from-template/templates/default.pptx
@@ -11,7 +11,7 @@
     <p:sldId id="259" r:id="rId10"/>
     <p:sldId id="260" r:id="rId11"/>
   </p:sldIdLst>
-  <p:sldSz cx="9144000" cy="6858000" type="screen4x3"/>
+  <p:sldSz cx="9144000" cy="5715000" type="screen4x3"/>
   <p:notesSz cx="6858000" cy="9144000"/>
   <p:defaultTextStyle>
     <a:defPPr>
